--- a/Presentation.pptx
+++ b/Presentation.pptx
@@ -11,11 +11,13 @@
     <p:sldId id="258" r:id="rId5"/>
     <p:sldId id="259" r:id="rId6"/>
     <p:sldId id="260" r:id="rId7"/>
-    <p:sldId id="261" r:id="rId8"/>
-    <p:sldId id="262" r:id="rId9"/>
-    <p:sldId id="263" r:id="rId10"/>
-    <p:sldId id="265" r:id="rId11"/>
-    <p:sldId id="264" r:id="rId12"/>
+    <p:sldId id="267" r:id="rId8"/>
+    <p:sldId id="261" r:id="rId9"/>
+    <p:sldId id="262" r:id="rId10"/>
+    <p:sldId id="263" r:id="rId11"/>
+    <p:sldId id="265" r:id="rId12"/>
+    <p:sldId id="268" r:id="rId13"/>
+    <p:sldId id="264" r:id="rId14"/>
   </p:sldIdLst>
   <p:sldSz cx="12192000" cy="6858000"/>
   <p:notesSz cx="6858000" cy="9144000"/>
@@ -3491,7 +3493,7 @@
           <p:cNvPr id="2" name="Title 1">
             <a:extLst>
               <a:ext uri="{FF2B5EF4-FFF2-40B4-BE49-F238E27FC236}">
-                <a16:creationId xmlns:a16="http://schemas.microsoft.com/office/drawing/2014/main" id="{7EE43BAC-557F-B240-9238-2BB05DBF6550}"/>
+                <a16:creationId xmlns:a16="http://schemas.microsoft.com/office/drawing/2014/main" id="{2206FC7B-1895-AD49-8254-39F81895CE57}"/>
               </a:ext>
             </a:extLst>
           </p:cNvPr>
@@ -3509,7 +3511,7 @@
           <a:p>
             <a:r>
               <a:rPr lang="en-US" dirty="0"/>
-              <a:t>What went well</a:t>
+              <a:t>React</a:t>
             </a:r>
           </a:p>
         </p:txBody>
@@ -3519,7 +3521,7 @@
           <p:cNvPr id="3" name="Content Placeholder 2">
             <a:extLst>
               <a:ext uri="{FF2B5EF4-FFF2-40B4-BE49-F238E27FC236}">
-                <a16:creationId xmlns:a16="http://schemas.microsoft.com/office/drawing/2014/main" id="{F1DFD163-873C-DF41-9C16-87A02ADEEEC6}"/>
+                <a16:creationId xmlns:a16="http://schemas.microsoft.com/office/drawing/2014/main" id="{E5753CA5-293C-0B4E-B60B-C60F457D3DFB}"/>
               </a:ext>
             </a:extLst>
           </p:cNvPr>
@@ -3537,46 +3539,33 @@
           <a:p>
             <a:r>
               <a:rPr lang="en-US" dirty="0"/>
-              <a:t>Great teamwork between strangers</a:t>
-            </a:r>
-          </a:p>
-          <a:p>
-            <a:pPr lvl="1"/>
-            <a:r>
-              <a:rPr lang="en-US" dirty="0"/>
-              <a:t>Different skillsets that fit well together</a:t>
-            </a:r>
-          </a:p>
-          <a:p>
-            <a:r>
-              <a:rPr lang="en-US" dirty="0"/>
-              <a:t> Not many problems learning how to use Spring</a:t>
-            </a:r>
-          </a:p>
-          <a:p>
-            <a:r>
-              <a:rPr lang="en-US" dirty="0"/>
-              <a:t> Started from day 1</a:t>
-            </a:r>
-          </a:p>
-          <a:p>
-            <a:r>
-              <a:rPr lang="en-US" dirty="0"/>
-              <a:t> Interesting and challenging project</a:t>
-            </a:r>
-          </a:p>
-          <a:p>
-            <a:r>
-              <a:rPr lang="en-US" dirty="0"/>
-              <a:t>Kept true to our vision and scope document</a:t>
-            </a:r>
+              <a:t>Our front end uses the React framework</a:t>
+            </a:r>
+          </a:p>
+          <a:p>
+            <a:r>
+              <a:rPr lang="en-US" dirty="0"/>
+              <a:t>Communicates with backend sending HTTP requests to REST endpoints</a:t>
+            </a:r>
+          </a:p>
+          <a:p>
+            <a:r>
+              <a:rPr lang="en-US" dirty="0"/>
+              <a:t>Validates Form inputs. (e.g. matching password in register, end date before start date)</a:t>
+            </a:r>
+          </a:p>
+          <a:p>
+            <a:endParaRPr lang="en-US" dirty="0"/>
+          </a:p>
+          <a:p>
+            <a:endParaRPr lang="en-US" dirty="0"/>
           </a:p>
         </p:txBody>
       </p:sp>
     </p:spTree>
     <p:extLst>
       <p:ext uri="{BB962C8B-B14F-4D97-AF65-F5344CB8AC3E}">
-        <p14:creationId xmlns:p14="http://schemas.microsoft.com/office/powerpoint/2010/main" val="3164275610"/>
+        <p14:creationId xmlns:p14="http://schemas.microsoft.com/office/powerpoint/2010/main" val="693555130"/>
       </p:ext>
     </p:extLst>
   </p:cSld>
@@ -3608,6 +3597,246 @@
           <p:cNvPr id="2" name="Title 1">
             <a:extLst>
               <a:ext uri="{FF2B5EF4-FFF2-40B4-BE49-F238E27FC236}">
+                <a16:creationId xmlns:a16="http://schemas.microsoft.com/office/drawing/2014/main" id="{7EE43BAC-557F-B240-9238-2BB05DBF6550}"/>
+              </a:ext>
+            </a:extLst>
+          </p:cNvPr>
+          <p:cNvSpPr>
+            <a:spLocks noGrp="1"/>
+          </p:cNvSpPr>
+          <p:nvPr>
+            <p:ph type="title"/>
+          </p:nvPr>
+        </p:nvSpPr>
+        <p:spPr/>
+        <p:txBody>
+          <a:bodyPr/>
+          <a:lstStyle/>
+          <a:p>
+            <a:r>
+              <a:rPr lang="en-US" dirty="0"/>
+              <a:t>What went well</a:t>
+            </a:r>
+          </a:p>
+        </p:txBody>
+      </p:sp>
+      <p:sp>
+        <p:nvSpPr>
+          <p:cNvPr id="3" name="Content Placeholder 2">
+            <a:extLst>
+              <a:ext uri="{FF2B5EF4-FFF2-40B4-BE49-F238E27FC236}">
+                <a16:creationId xmlns:a16="http://schemas.microsoft.com/office/drawing/2014/main" id="{F1DFD163-873C-DF41-9C16-87A02ADEEEC6}"/>
+              </a:ext>
+            </a:extLst>
+          </p:cNvPr>
+          <p:cNvSpPr>
+            <a:spLocks noGrp="1"/>
+          </p:cNvSpPr>
+          <p:nvPr>
+            <p:ph idx="1"/>
+          </p:nvPr>
+        </p:nvSpPr>
+        <p:spPr/>
+        <p:txBody>
+          <a:bodyPr/>
+          <a:lstStyle/>
+          <a:p>
+            <a:r>
+              <a:rPr lang="en-US" dirty="0"/>
+              <a:t>Great teamwork between strangers</a:t>
+            </a:r>
+          </a:p>
+          <a:p>
+            <a:pPr lvl="1"/>
+            <a:r>
+              <a:rPr lang="en-US" dirty="0"/>
+              <a:t>Different skillsets that fit well together</a:t>
+            </a:r>
+          </a:p>
+          <a:p>
+            <a:r>
+              <a:rPr lang="en-US" dirty="0"/>
+              <a:t> Not many problems learning how to use Spring</a:t>
+            </a:r>
+          </a:p>
+          <a:p>
+            <a:r>
+              <a:rPr lang="en-US" dirty="0"/>
+              <a:t> Started from day 1</a:t>
+            </a:r>
+          </a:p>
+          <a:p>
+            <a:r>
+              <a:rPr lang="en-US" dirty="0"/>
+              <a:t> Interesting and challenging project</a:t>
+            </a:r>
+          </a:p>
+          <a:p>
+            <a:r>
+              <a:rPr lang="en-US" dirty="0"/>
+              <a:t>Kept true to our vision and scope document</a:t>
+            </a:r>
+          </a:p>
+        </p:txBody>
+      </p:sp>
+    </p:spTree>
+    <p:extLst>
+      <p:ext uri="{BB962C8B-B14F-4D97-AF65-F5344CB8AC3E}">
+        <p14:creationId xmlns:p14="http://schemas.microsoft.com/office/powerpoint/2010/main" val="3164275610"/>
+      </p:ext>
+    </p:extLst>
+  </p:cSld>
+  <p:clrMapOvr>
+    <a:masterClrMapping/>
+  </p:clrMapOvr>
+</p:sld>
+</file>
+
+<file path=ppt/slides/slide12.xml><?xml version="1.0" encoding="utf-8"?>
+<p:sld xmlns:a="http://schemas.openxmlformats.org/drawingml/2006/main" xmlns:r="http://schemas.openxmlformats.org/officeDocument/2006/relationships" xmlns:p="http://schemas.openxmlformats.org/presentationml/2006/main">
+  <p:cSld>
+    <p:spTree>
+      <p:nvGrpSpPr>
+        <p:cNvPr id="1" name=""/>
+        <p:cNvGrpSpPr/>
+        <p:nvPr/>
+      </p:nvGrpSpPr>
+      <p:grpSpPr>
+        <a:xfrm>
+          <a:off x="0" y="0"/>
+          <a:ext cx="0" cy="0"/>
+          <a:chOff x="0" y="0"/>
+          <a:chExt cx="0" cy="0"/>
+        </a:xfrm>
+      </p:grpSpPr>
+      <p:sp>
+        <p:nvSpPr>
+          <p:cNvPr id="2" name="Title 1">
+            <a:extLst>
+              <a:ext uri="{FF2B5EF4-FFF2-40B4-BE49-F238E27FC236}">
+                <a16:creationId xmlns:a16="http://schemas.microsoft.com/office/drawing/2014/main" id="{C415C361-4BA9-564B-A15B-830AC57E9477}"/>
+              </a:ext>
+            </a:extLst>
+          </p:cNvPr>
+          <p:cNvSpPr>
+            <a:spLocks noGrp="1"/>
+          </p:cNvSpPr>
+          <p:nvPr>
+            <p:ph type="title"/>
+          </p:nvPr>
+        </p:nvSpPr>
+        <p:spPr/>
+        <p:txBody>
+          <a:bodyPr/>
+          <a:lstStyle/>
+          <a:p>
+            <a:r>
+              <a:rPr lang="en-US" dirty="0"/>
+              <a:t>What went wrong</a:t>
+            </a:r>
+          </a:p>
+        </p:txBody>
+      </p:sp>
+      <p:sp>
+        <p:nvSpPr>
+          <p:cNvPr id="3" name="Content Placeholder 2">
+            <a:extLst>
+              <a:ext uri="{FF2B5EF4-FFF2-40B4-BE49-F238E27FC236}">
+                <a16:creationId xmlns:a16="http://schemas.microsoft.com/office/drawing/2014/main" id="{7183CA87-D7BA-C944-B32E-96E053D23E36}"/>
+              </a:ext>
+            </a:extLst>
+          </p:cNvPr>
+          <p:cNvSpPr>
+            <a:spLocks noGrp="1"/>
+          </p:cNvSpPr>
+          <p:nvPr>
+            <p:ph idx="1"/>
+          </p:nvPr>
+        </p:nvSpPr>
+        <p:spPr/>
+        <p:txBody>
+          <a:bodyPr/>
+          <a:lstStyle/>
+          <a:p>
+            <a:r>
+              <a:rPr lang="en-US" dirty="0"/>
+              <a:t>Endless recursion when parsing JSON object</a:t>
+            </a:r>
+          </a:p>
+          <a:p>
+            <a:r>
+              <a:rPr lang="en-US" dirty="0"/>
+              <a:t>Took a long time noticing bugs in the back end</a:t>
+            </a:r>
+          </a:p>
+          <a:p>
+            <a:pPr lvl="1"/>
+            <a:r>
+              <a:rPr lang="en-US" dirty="0"/>
+              <a:t>Deleting event deleted user</a:t>
+            </a:r>
+          </a:p>
+          <a:p>
+            <a:pPr lvl="2"/>
+            <a:r>
+              <a:rPr lang="en-US" dirty="0"/>
+              <a:t>Many to many relationship problem</a:t>
+            </a:r>
+          </a:p>
+          <a:p>
+            <a:pPr lvl="1"/>
+            <a:r>
+              <a:rPr lang="en-US" dirty="0"/>
+              <a:t>Problems with CORS</a:t>
+            </a:r>
+          </a:p>
+          <a:p>
+            <a:pPr lvl="2"/>
+            <a:r>
+              <a:rPr lang="en-US" dirty="0"/>
+              <a:t>Could not fetch data from backend</a:t>
+            </a:r>
+          </a:p>
+          <a:p>
+            <a:endParaRPr lang="en-US" dirty="0"/>
+          </a:p>
+        </p:txBody>
+      </p:sp>
+    </p:spTree>
+    <p:extLst>
+      <p:ext uri="{BB962C8B-B14F-4D97-AF65-F5344CB8AC3E}">
+        <p14:creationId xmlns:p14="http://schemas.microsoft.com/office/powerpoint/2010/main" val="1171936975"/>
+      </p:ext>
+    </p:extLst>
+  </p:cSld>
+  <p:clrMapOvr>
+    <a:masterClrMapping/>
+  </p:clrMapOvr>
+</p:sld>
+</file>
+
+<file path=ppt/slides/slide13.xml><?xml version="1.0" encoding="utf-8"?>
+<p:sld xmlns:a="http://schemas.openxmlformats.org/drawingml/2006/main" xmlns:r="http://schemas.openxmlformats.org/officeDocument/2006/relationships" xmlns:p="http://schemas.openxmlformats.org/presentationml/2006/main">
+  <p:cSld>
+    <p:spTree>
+      <p:nvGrpSpPr>
+        <p:cNvPr id="1" name=""/>
+        <p:cNvGrpSpPr/>
+        <p:nvPr/>
+      </p:nvGrpSpPr>
+      <p:grpSpPr>
+        <a:xfrm>
+          <a:off x="0" y="0"/>
+          <a:ext cx="0" cy="0"/>
+          <a:chOff x="0" y="0"/>
+          <a:chExt cx="0" cy="0"/>
+        </a:xfrm>
+      </p:grpSpPr>
+      <p:sp>
+        <p:nvSpPr>
+          <p:cNvPr id="2" name="Title 1">
+            <a:extLst>
+              <a:ext uri="{FF2B5EF4-FFF2-40B4-BE49-F238E27FC236}">
                 <a16:creationId xmlns:a16="http://schemas.microsoft.com/office/drawing/2014/main" id="{EC09F33E-997C-D448-8F40-1909C7C50DC8}"/>
               </a:ext>
             </a:extLst>
@@ -3686,41 +3915,7 @@
           <a:p>
             <a:r>
               <a:rPr lang="en-US" dirty="0"/>
-              <a:t>Took a long time noticing bugs in the back end</a:t>
-            </a:r>
-          </a:p>
-          <a:p>
-            <a:pPr lvl="1"/>
-            <a:r>
-              <a:rPr lang="en-US" dirty="0"/>
-              <a:t>Deleting event deleted user</a:t>
-            </a:r>
-          </a:p>
-          <a:p>
-            <a:pPr lvl="2"/>
-            <a:r>
-              <a:rPr lang="en-US" dirty="0"/>
-              <a:t>Many to many relationship problem</a:t>
-            </a:r>
-          </a:p>
-          <a:p>
-            <a:pPr lvl="1"/>
-            <a:r>
-              <a:rPr lang="en-US" dirty="0"/>
-              <a:t>Problems with CORS</a:t>
-            </a:r>
-          </a:p>
-          <a:p>
-            <a:pPr lvl="2"/>
-            <a:r>
-              <a:rPr lang="en-US" dirty="0"/>
-              <a:t>Could not fetch data from backend</a:t>
-            </a:r>
-          </a:p>
-          <a:p>
-            <a:r>
-              <a:rPr lang="en-US" dirty="0"/>
-              <a:t> Realizing earlier the size of the project</a:t>
+              <a:t>Realizing earlier the size of the project</a:t>
             </a:r>
           </a:p>
           <a:p>
@@ -4329,6 +4524,46 @@
           </a:p>
         </p:txBody>
       </p:sp>
+      <p:sp>
+        <p:nvSpPr>
+          <p:cNvPr id="6" name="TextBox 5">
+            <a:extLst>
+              <a:ext uri="{FF2B5EF4-FFF2-40B4-BE49-F238E27FC236}">
+                <a16:creationId xmlns:a16="http://schemas.microsoft.com/office/drawing/2014/main" id="{60083FE7-33A0-5F4F-9FF9-D05A7CC5A34F}"/>
+              </a:ext>
+            </a:extLst>
+          </p:cNvPr>
+          <p:cNvSpPr txBox="1"/>
+          <p:nvPr/>
+        </p:nvSpPr>
+        <p:spPr>
+          <a:xfrm>
+            <a:off x="1014413" y="4872037"/>
+            <a:ext cx="7734300" cy="369332"/>
+          </a:xfrm>
+          <a:prstGeom prst="rect">
+            <a:avLst/>
+          </a:prstGeom>
+          <a:noFill/>
+        </p:spPr>
+        <p:txBody>
+          <a:bodyPr wrap="square" rtlCol="0">
+            <a:spAutoFit/>
+          </a:bodyPr>
+          <a:lstStyle/>
+          <a:p>
+            <a:r>
+              <a:rPr lang="en-US" dirty="0"/>
+              <a:t>Tala um relationship </a:t>
+            </a:r>
+            <a:r>
+              <a:rPr lang="en-US" dirty="0" err="1"/>
+              <a:t>vandamál</a:t>
+            </a:r>
+            <a:endParaRPr lang="en-US" dirty="0"/>
+          </a:p>
+        </p:txBody>
+      </p:sp>
     </p:spTree>
     <p:extLst>
       <p:ext uri="{BB962C8B-B14F-4D97-AF65-F5344CB8AC3E}">
@@ -4476,7 +4711,7 @@
           <p:cNvPr id="2" name="Title 1">
             <a:extLst>
               <a:ext uri="{FF2B5EF4-FFF2-40B4-BE49-F238E27FC236}">
-                <a16:creationId xmlns:a16="http://schemas.microsoft.com/office/drawing/2014/main" id="{847025FD-F17E-4341-894F-8A1FA314C6DD}"/>
+                <a16:creationId xmlns:a16="http://schemas.microsoft.com/office/drawing/2014/main" id="{54ABEC0F-55B1-0445-917F-D016812CC8D2}"/>
               </a:ext>
             </a:extLst>
           </p:cNvPr>
@@ -4494,7 +4729,7 @@
           <a:p>
             <a:r>
               <a:rPr lang="en-US" dirty="0"/>
-              <a:t>Authentication</a:t>
+              <a:t>Database</a:t>
             </a:r>
           </a:p>
         </p:txBody>
@@ -4504,7 +4739,7 @@
           <p:cNvPr id="3" name="Content Placeholder 2">
             <a:extLst>
               <a:ext uri="{FF2B5EF4-FFF2-40B4-BE49-F238E27FC236}">
-                <a16:creationId xmlns:a16="http://schemas.microsoft.com/office/drawing/2014/main" id="{0027C9C1-6A42-814D-9760-4E2D30E0C304}"/>
+                <a16:creationId xmlns:a16="http://schemas.microsoft.com/office/drawing/2014/main" id="{CBAD40B6-589F-A647-8F04-43406E8EABDF}"/>
               </a:ext>
             </a:extLst>
           </p:cNvPr>
@@ -4522,33 +4757,22 @@
           <a:p>
             <a:r>
               <a:rPr lang="en-US" dirty="0"/>
-              <a:t> Token based authentication</a:t>
-            </a:r>
-          </a:p>
-          <a:p>
-            <a:r>
-              <a:rPr lang="en-US" dirty="0"/>
-              <a:t> HTTP filter to catch </a:t>
+              <a:t>We used </a:t>
             </a:r>
             <a:r>
               <a:rPr lang="en-US" dirty="0" err="1"/>
-              <a:t>unautherized</a:t>
-            </a:r>
+              <a:t>Postgresql</a:t>
+            </a:r>
+            <a:r>
+              <a:rPr lang="en-US" dirty="0"/>
+              <a:t> to persistently store data.</a:t>
+            </a:r>
+          </a:p>
+          <a:p>
             <a:endParaRPr lang="en-US" dirty="0"/>
           </a:p>
           <a:p>
-            <a:pPr lvl="1"/>
-            <a:r>
-              <a:rPr lang="en-US" dirty="0"/>
-              <a:t>Invalid token</a:t>
-            </a:r>
-          </a:p>
-          <a:p>
-            <a:pPr lvl="1"/>
-            <a:r>
-              <a:rPr lang="en-US" dirty="0"/>
-              <a:t>not authorized to see this end point.</a:t>
-            </a:r>
+            <a:endParaRPr lang="en-US" dirty="0"/>
           </a:p>
           <a:p>
             <a:r>
@@ -4563,14 +4787,17 @@
             </a:r>
           </a:p>
           <a:p>
-            <a:endParaRPr lang="en-US" dirty="0"/>
+            <a:r>
+              <a:rPr lang="en-US" dirty="0"/>
+              <a:t> </a:t>
+            </a:r>
           </a:p>
         </p:txBody>
       </p:sp>
     </p:spTree>
     <p:extLst>
       <p:ext uri="{BB962C8B-B14F-4D97-AF65-F5344CB8AC3E}">
-        <p14:creationId xmlns:p14="http://schemas.microsoft.com/office/powerpoint/2010/main" val="195648617"/>
+        <p14:creationId xmlns:p14="http://schemas.microsoft.com/office/powerpoint/2010/main" val="3114483716"/>
       </p:ext>
     </p:extLst>
   </p:cSld>
@@ -4602,7 +4829,7 @@
           <p:cNvPr id="2" name="Title 1">
             <a:extLst>
               <a:ext uri="{FF2B5EF4-FFF2-40B4-BE49-F238E27FC236}">
-                <a16:creationId xmlns:a16="http://schemas.microsoft.com/office/drawing/2014/main" id="{FD35FA2C-5A18-7C4E-8FB7-58A638DDF805}"/>
+                <a16:creationId xmlns:a16="http://schemas.microsoft.com/office/drawing/2014/main" id="{847025FD-F17E-4341-894F-8A1FA314C6DD}"/>
               </a:ext>
             </a:extLst>
           </p:cNvPr>
@@ -4613,19 +4840,14 @@
             <p:ph type="title"/>
           </p:nvPr>
         </p:nvSpPr>
-        <p:spPr>
-          <a:xfrm>
-            <a:off x="3929062" y="365126"/>
-            <a:ext cx="7424737" cy="888206"/>
-          </a:xfrm>
-        </p:spPr>
-        <p:txBody>
-          <a:bodyPr/>
-          <a:lstStyle/>
-          <a:p>
-            <a:r>
-              <a:rPr lang="en-US" dirty="0"/>
-              <a:t>REST Endpoints</a:t>
+        <p:spPr/>
+        <p:txBody>
+          <a:bodyPr/>
+          <a:lstStyle/>
+          <a:p>
+            <a:r>
+              <a:rPr lang="en-US" dirty="0"/>
+              <a:t>Authentication</a:t>
             </a:r>
           </a:p>
         </p:txBody>
@@ -4635,7 +4857,7 @@
           <p:cNvPr id="3" name="Content Placeholder 2">
             <a:extLst>
               <a:ext uri="{FF2B5EF4-FFF2-40B4-BE49-F238E27FC236}">
-                <a16:creationId xmlns:a16="http://schemas.microsoft.com/office/drawing/2014/main" id="{3903EE6C-F37C-6E47-B0F2-FCAD0F7F9559}"/>
+                <a16:creationId xmlns:a16="http://schemas.microsoft.com/office/drawing/2014/main" id="{0027C9C1-6A42-814D-9760-4E2D30E0C304}"/>
               </a:ext>
             </a:extLst>
           </p:cNvPr>
@@ -4646,128 +4868,57 @@
             <p:ph idx="1"/>
           </p:nvPr>
         </p:nvSpPr>
-        <p:spPr>
-          <a:xfrm>
-            <a:off x="838200" y="1253330"/>
-            <a:ext cx="10515600" cy="5604669"/>
-          </a:xfrm>
-        </p:spPr>
-        <p:txBody>
-          <a:bodyPr>
-            <a:normAutofit lnSpcReduction="10000"/>
-          </a:bodyPr>
-          <a:lstStyle/>
-          <a:p>
-            <a:r>
-              <a:rPr lang="en-US" dirty="0"/>
-              <a:t> /event</a:t>
-            </a:r>
+        <p:spPr/>
+        <p:txBody>
+          <a:bodyPr/>
+          <a:lstStyle/>
+          <a:p>
+            <a:r>
+              <a:rPr lang="en-US" dirty="0"/>
+              <a:t> Token based authentication</a:t>
+            </a:r>
+          </a:p>
+          <a:p>
+            <a:r>
+              <a:rPr lang="en-US" dirty="0"/>
+              <a:t> HTTP filter to catch </a:t>
+            </a:r>
+            <a:r>
+              <a:rPr lang="en-US" dirty="0" err="1"/>
+              <a:t>unautherized</a:t>
+            </a:r>
+            <a:endParaRPr lang="en-US" dirty="0"/>
           </a:p>
           <a:p>
             <a:pPr lvl="1"/>
             <a:r>
               <a:rPr lang="en-US" dirty="0"/>
-              <a:t>POST – creates new event</a:t>
+              <a:t>Invalid token</a:t>
             </a:r>
           </a:p>
           <a:p>
             <a:pPr lvl="1"/>
             <a:r>
               <a:rPr lang="en-US" dirty="0"/>
-              <a:t>GET – fetches all events with </a:t>
+              <a:t>not authorized to see this end point.</a:t>
+            </a:r>
+          </a:p>
+          <a:p>
+            <a:r>
+              <a:rPr lang="en-US" dirty="0"/>
+              <a:t> Password encrypted with </a:t>
             </a:r>
             <a:r>
               <a:rPr lang="en-US" dirty="0" err="1"/>
-              <a:t>startdate</a:t>
-            </a:r>
-            <a:r>
-              <a:rPr lang="en-US" dirty="0"/>
-              <a:t> and </a:t>
-            </a:r>
-            <a:r>
-              <a:rPr lang="en-US" dirty="0" err="1"/>
-              <a:t>enddate</a:t>
-            </a:r>
-            <a:r>
-              <a:rPr lang="en-US" dirty="0"/>
-              <a:t> query string parameters</a:t>
-            </a:r>
-          </a:p>
-          <a:p>
-            <a:r>
-              <a:rPr lang="en-US" dirty="0"/>
-              <a:t>/event/:id</a:t>
-            </a:r>
-          </a:p>
-          <a:p>
-            <a:pPr lvl="1"/>
-            <a:r>
-              <a:rPr lang="en-US" dirty="0"/>
-              <a:t>GET – fetches event with given id</a:t>
-            </a:r>
-          </a:p>
-          <a:p>
-            <a:pPr lvl="1"/>
-            <a:r>
-              <a:rPr lang="en-US" dirty="0"/>
-              <a:t>POST – updates event with given id</a:t>
-            </a:r>
-          </a:p>
-          <a:p>
-            <a:r>
-              <a:rPr lang="en-US" dirty="0"/>
-              <a:t>  /event/:id/users</a:t>
-            </a:r>
-          </a:p>
-          <a:p>
-            <a:pPr lvl="1"/>
-            <a:r>
-              <a:rPr lang="en-US" dirty="0"/>
-              <a:t>POST – Adds users to events </a:t>
-            </a:r>
-            <a:r>
-              <a:rPr lang="en-US" dirty="0" err="1"/>
-              <a:t>userlist</a:t>
+              <a:t>BCrypt</a:t>
             </a:r>
             <a:endParaRPr lang="en-US" dirty="0"/>
           </a:p>
           <a:p>
             <a:r>
               <a:rPr lang="en-US" dirty="0"/>
-              <a:t> /login</a:t>
-            </a:r>
-          </a:p>
-          <a:p>
-            <a:pPr lvl="1"/>
-            <a:r>
-              <a:rPr lang="en-US" dirty="0"/>
-              <a:t>POST – Gets username and password. Returns token if authenticated</a:t>
-            </a:r>
-          </a:p>
-          <a:p>
-            <a:r>
-              <a:rPr lang="en-US" dirty="0"/>
-              <a:t>/register</a:t>
-            </a:r>
-          </a:p>
-          <a:p>
-            <a:pPr lvl="1"/>
-            <a:r>
-              <a:rPr lang="en-US" dirty="0"/>
-              <a:t>POST – Creates new user.</a:t>
-            </a:r>
-          </a:p>
-          <a:p>
-            <a:r>
-              <a:rPr lang="en-US" dirty="0"/>
               <a:t> </a:t>
             </a:r>
-          </a:p>
-          <a:p>
-            <a:endParaRPr lang="en-US" dirty="0"/>
-          </a:p>
-          <a:p>
-            <a:endParaRPr lang="en-US" dirty="0"/>
           </a:p>
           <a:p>
             <a:endParaRPr lang="en-US" dirty="0"/>
@@ -4777,7 +4928,7 @@
     </p:spTree>
     <p:extLst>
       <p:ext uri="{BB962C8B-B14F-4D97-AF65-F5344CB8AC3E}">
-        <p14:creationId xmlns:p14="http://schemas.microsoft.com/office/powerpoint/2010/main" val="1932177307"/>
+        <p14:creationId xmlns:p14="http://schemas.microsoft.com/office/powerpoint/2010/main" val="195648617"/>
       </p:ext>
     </p:extLst>
   </p:cSld>
@@ -4809,7 +4960,7 @@
           <p:cNvPr id="2" name="Title 1">
             <a:extLst>
               <a:ext uri="{FF2B5EF4-FFF2-40B4-BE49-F238E27FC236}">
-                <a16:creationId xmlns:a16="http://schemas.microsoft.com/office/drawing/2014/main" id="{2206FC7B-1895-AD49-8254-39F81895CE57}"/>
+                <a16:creationId xmlns:a16="http://schemas.microsoft.com/office/drawing/2014/main" id="{FD35FA2C-5A18-7C4E-8FB7-58A638DDF805}"/>
               </a:ext>
             </a:extLst>
           </p:cNvPr>
@@ -4820,14 +4971,19 @@
             <p:ph type="title"/>
           </p:nvPr>
         </p:nvSpPr>
-        <p:spPr/>
-        <p:txBody>
-          <a:bodyPr/>
-          <a:lstStyle/>
-          <a:p>
-            <a:r>
-              <a:rPr lang="en-US" dirty="0"/>
-              <a:t>React</a:t>
+        <p:spPr>
+          <a:xfrm>
+            <a:off x="3929062" y="365126"/>
+            <a:ext cx="7424737" cy="888206"/>
+          </a:xfrm>
+        </p:spPr>
+        <p:txBody>
+          <a:bodyPr/>
+          <a:lstStyle/>
+          <a:p>
+            <a:r>
+              <a:rPr lang="en-US" dirty="0"/>
+              <a:t>REST Endpoints</a:t>
             </a:r>
           </a:p>
         </p:txBody>
@@ -4837,7 +4993,7 @@
           <p:cNvPr id="3" name="Content Placeholder 2">
             <a:extLst>
               <a:ext uri="{FF2B5EF4-FFF2-40B4-BE49-F238E27FC236}">
-                <a16:creationId xmlns:a16="http://schemas.microsoft.com/office/drawing/2014/main" id="{E5753CA5-293C-0B4E-B60B-C60F457D3DFB}"/>
+                <a16:creationId xmlns:a16="http://schemas.microsoft.com/office/drawing/2014/main" id="{3903EE6C-F37C-6E47-B0F2-FCAD0F7F9559}"/>
               </a:ext>
             </a:extLst>
           </p:cNvPr>
@@ -4848,27 +5004,125 @@
             <p:ph idx="1"/>
           </p:nvPr>
         </p:nvSpPr>
-        <p:spPr/>
-        <p:txBody>
-          <a:bodyPr/>
-          <a:lstStyle/>
-          <a:p>
-            <a:r>
-              <a:rPr lang="en-US" dirty="0"/>
-              <a:t>Our front end uses the React framework</a:t>
-            </a:r>
-          </a:p>
-          <a:p>
-            <a:r>
-              <a:rPr lang="en-US" dirty="0"/>
-              <a:t>Communicates with backend sending HTTP requests to REST endpoints</a:t>
-            </a:r>
-          </a:p>
-          <a:p>
-            <a:r>
-              <a:rPr lang="en-US" dirty="0"/>
-              <a:t>Validates Form inputs. (e.g. matching password in register, end date before start date)</a:t>
-            </a:r>
+        <p:spPr>
+          <a:xfrm>
+            <a:off x="838200" y="1253330"/>
+            <a:ext cx="10515600" cy="5604669"/>
+          </a:xfrm>
+        </p:spPr>
+        <p:txBody>
+          <a:bodyPr>
+            <a:normAutofit lnSpcReduction="10000"/>
+          </a:bodyPr>
+          <a:lstStyle/>
+          <a:p>
+            <a:r>
+              <a:rPr lang="en-US" dirty="0"/>
+              <a:t> /event</a:t>
+            </a:r>
+          </a:p>
+          <a:p>
+            <a:pPr lvl="1"/>
+            <a:r>
+              <a:rPr lang="en-US" dirty="0"/>
+              <a:t>POST – creates new event</a:t>
+            </a:r>
+          </a:p>
+          <a:p>
+            <a:pPr lvl="1"/>
+            <a:r>
+              <a:rPr lang="en-US" dirty="0"/>
+              <a:t>GET – fetches all events with </a:t>
+            </a:r>
+            <a:r>
+              <a:rPr lang="en-US" dirty="0" err="1"/>
+              <a:t>startdate</a:t>
+            </a:r>
+            <a:r>
+              <a:rPr lang="en-US" dirty="0"/>
+              <a:t> and </a:t>
+            </a:r>
+            <a:r>
+              <a:rPr lang="en-US" dirty="0" err="1"/>
+              <a:t>enddate</a:t>
+            </a:r>
+            <a:r>
+              <a:rPr lang="en-US" dirty="0"/>
+              <a:t> query string parameters</a:t>
+            </a:r>
+          </a:p>
+          <a:p>
+            <a:r>
+              <a:rPr lang="en-US" dirty="0"/>
+              <a:t>/event/:id</a:t>
+            </a:r>
+          </a:p>
+          <a:p>
+            <a:pPr lvl="1"/>
+            <a:r>
+              <a:rPr lang="en-US" dirty="0"/>
+              <a:t>GET – fetches event with given id</a:t>
+            </a:r>
+          </a:p>
+          <a:p>
+            <a:pPr lvl="1"/>
+            <a:r>
+              <a:rPr lang="en-US" dirty="0"/>
+              <a:t>POST – updates event with given id</a:t>
+            </a:r>
+          </a:p>
+          <a:p>
+            <a:r>
+              <a:rPr lang="en-US" dirty="0"/>
+              <a:t>  /event/:id/users</a:t>
+            </a:r>
+          </a:p>
+          <a:p>
+            <a:pPr lvl="1"/>
+            <a:r>
+              <a:rPr lang="en-US" dirty="0"/>
+              <a:t>POST – Adds users to events </a:t>
+            </a:r>
+            <a:r>
+              <a:rPr lang="en-US" dirty="0" err="1"/>
+              <a:t>userlist</a:t>
+            </a:r>
+            <a:endParaRPr lang="en-US" dirty="0"/>
+          </a:p>
+          <a:p>
+            <a:r>
+              <a:rPr lang="en-US" dirty="0"/>
+              <a:t> /login</a:t>
+            </a:r>
+          </a:p>
+          <a:p>
+            <a:pPr lvl="1"/>
+            <a:r>
+              <a:rPr lang="en-US" dirty="0"/>
+              <a:t>POST – Gets username and password. Returns token if authenticated</a:t>
+            </a:r>
+          </a:p>
+          <a:p>
+            <a:r>
+              <a:rPr lang="en-US" dirty="0"/>
+              <a:t>/register</a:t>
+            </a:r>
+          </a:p>
+          <a:p>
+            <a:pPr lvl="1"/>
+            <a:r>
+              <a:rPr lang="en-US" dirty="0"/>
+              <a:t>POST – Creates new user.</a:t>
+            </a:r>
+          </a:p>
+          <a:p>
+            <a:r>
+              <a:rPr lang="en-US" dirty="0"/>
+              <a:t> </a:t>
+            </a:r>
+          </a:p>
+          <a:p>
+            <a:endParaRPr lang="en-US" dirty="0"/>
           </a:p>
           <a:p>
             <a:endParaRPr lang="en-US" dirty="0"/>
@@ -4881,7 +5135,7 @@
     </p:spTree>
     <p:extLst>
       <p:ext uri="{BB962C8B-B14F-4D97-AF65-F5344CB8AC3E}">
-        <p14:creationId xmlns:p14="http://schemas.microsoft.com/office/powerpoint/2010/main" val="693555130"/>
+        <p14:creationId xmlns:p14="http://schemas.microsoft.com/office/powerpoint/2010/main" val="1932177307"/>
       </p:ext>
     </p:extLst>
   </p:cSld>

--- a/Presentation.pptx
+++ b/Presentation.pptx
@@ -4665,7 +4665,7 @@
           <a:p>
             <a:r>
               <a:rPr lang="en-US" dirty="0"/>
-              <a:t> Handle all validations and errors in the backend.</a:t>
+              <a:t>Handle all validations and errors in the backend.</a:t>
             </a:r>
           </a:p>
           <a:p>
